--- a/Documentations/Guide.pptx
+++ b/Documentations/Guide.pptx
@@ -112,6 +112,11 @@
       </a:defRPr>
     </a:lvl9pPr>
   </p:defaultTextStyle>
+  <p:extLst>
+    <p:ext uri="{EFAFB233-063F-42B5-8137-9DF3F51BA10A}">
+      <p15:sldGuideLst xmlns:p15="http://schemas.microsoft.com/office/powerpoint/2012/main"/>
+    </p:ext>
+  </p:extLst>
 </p:presentation>
 </file>
 
@@ -3562,15 +3567,7 @@
           <a:p>
             <a:r>
               <a:rPr lang="en-US" dirty="0"/>
-              <a:t>This image is sent to the “</a:t>
-            </a:r>
-            <a:r>
-              <a:rPr lang="en-US" dirty="0" err="1"/>
-              <a:t>preproess</a:t>
-            </a:r>
-            <a:r>
-              <a:rPr lang="en-US" dirty="0"/>
-              <a:t>()” function </a:t>
+              <a:t>This image is sent to the “preprocess()” function </a:t>
             </a:r>
           </a:p>
           <a:p>
@@ -3837,19 +3834,11 @@
           <a:p>
             <a:r>
               <a:rPr lang="en-US" dirty="0"/>
-              <a:t>The threshold image is then processed </a:t>
+              <a:t>The threshold image is then processed by the “ </a:t>
             </a:r>
             <a:r>
               <a:rPr lang="en-US" dirty="0" err="1"/>
-              <a:t>ny</a:t>
-            </a:r>
-            <a:r>
-              <a:rPr lang="en-US" dirty="0"/>
-              <a:t> the “</a:t>
-            </a:r>
-            <a:r>
-              <a:rPr lang="en-US" dirty="0" err="1"/>
-              <a:t>findPossibleCharsInScene</a:t>
+              <a:t>charHaruKhojne</a:t>
             </a:r>
             <a:r>
               <a:rPr lang="en-US" dirty="0"/>
@@ -3961,7 +3950,7 @@
         </p:nvSpPr>
         <p:spPr>
           <a:xfrm>
-            <a:off x="1490133" y="5376333"/>
+            <a:off x="1562099" y="5349439"/>
             <a:ext cx="9067800" cy="923330"/>
           </a:xfrm>
           <a:prstGeom prst="rect">
@@ -3981,7 +3970,7 @@
             </a:r>
             <a:r>
               <a:rPr lang="en-US" dirty="0" err="1"/>
-              <a:t>vectorOfPossibleCharsInScene</a:t>
+              <a:t>charsKoVectorKoVector</a:t>
             </a:r>
             <a:r>
               <a:rPr lang="en-US" dirty="0"/>
@@ -4089,15 +4078,15 @@
             </a:r>
             <a:r>
               <a:rPr lang="en-US" dirty="0" err="1"/>
-              <a:t>vectorOfVectorsOfMatchingChars</a:t>
+              <a:t>charsKoVectorKoVector</a:t>
             </a:r>
             <a:r>
               <a:rPr lang="en-US" dirty="0"/>
-              <a:t> = </a:t>
+              <a:t>= </a:t>
             </a:r>
             <a:r>
               <a:rPr lang="en-US" dirty="0" err="1"/>
-              <a:t>findVectorofVectorsOfMatchingChars</a:t>
+              <a:t>charsKoVectorKoVectorKhojne</a:t>
             </a:r>
             <a:r>
               <a:rPr lang="en-US" dirty="0"/>
@@ -4209,15 +4198,15 @@
             </a:r>
             <a:r>
               <a:rPr lang="en-US" dirty="0"/>
-              <a:t>()” then takes the </a:t>
+              <a:t>()” then takes the “</a:t>
             </a:r>
             <a:r>
               <a:rPr lang="en-US" dirty="0" err="1"/>
-              <a:t>vectorOfPossiblePlates</a:t>
+              <a:t>plateHaruKoVector</a:t>
             </a:r>
             <a:r>
               <a:rPr lang="en-US" dirty="0"/>
-              <a:t> and then analyses them using a pretrained cascade classifier (Similar to the KNN algorithm) “images.xml” and checks for every possible plate in the image contour for extraction. </a:t>
+              <a:t>” and then analyses them using a pretrained cascade classifier (Similar to the KNN algorithm) “images.xml” and checks for every possible plate in the image contour for extraction. </a:t>
             </a:r>
           </a:p>
         </p:txBody>
@@ -4369,7 +4358,7 @@
         <p:spPr>
           <a:xfrm>
             <a:off x="8636000" y="2658533"/>
-            <a:ext cx="3102866" cy="3416320"/>
+            <a:ext cx="3102866" cy="3139321"/>
           </a:xfrm>
           <a:prstGeom prst="rect">
             <a:avLst/>
@@ -4384,15 +4373,7 @@
           <a:p>
             <a:r>
               <a:rPr lang="en-US" dirty="0"/>
-              <a:t>Every recognized plate is taken into a list and then sorted </a:t>
-            </a:r>
-            <a:r>
-              <a:rPr lang="en-US" dirty="0" err="1"/>
-              <a:t>descedingly</a:t>
-            </a:r>
-            <a:r>
-              <a:rPr lang="en-US" dirty="0"/>
-              <a:t> from most number of characters recognized to least.</a:t>
+              <a:t>Every recognized plate is taken into a list and then sorted from most number of characters recognized to least.</a:t>
             </a:r>
           </a:p>
           <a:p>
